--- a/python-in-excel-crash-course.pptx
+++ b/python-in-excel-crash-course.pptx
@@ -5,11 +5,11 @@
     <p:sldMasterId id="2147483648" r:id="rId1"/>
   </p:sldMasterIdLst>
   <p:notesMasterIdLst>
-    <p:notesMasterId r:id="rId20"/>
+    <p:notesMasterId r:id="rId21"/>
   </p:notesMasterIdLst>
   <p:sldIdLst>
     <p:sldId id="424" r:id="rId2"/>
-    <p:sldId id="358" r:id="rId3"/>
+    <p:sldId id="426" r:id="rId3"/>
     <p:sldId id="258" r:id="rId4"/>
     <p:sldId id="362" r:id="rId5"/>
     <p:sldId id="404" r:id="rId6"/>
@@ -22,20 +22,21 @@
     <p:sldId id="409" r:id="rId13"/>
     <p:sldId id="416" r:id="rId14"/>
     <p:sldId id="420" r:id="rId15"/>
-    <p:sldId id="421" r:id="rId16"/>
-    <p:sldId id="422" r:id="rId17"/>
-    <p:sldId id="423" r:id="rId18"/>
-    <p:sldId id="417" r:id="rId19"/>
+    <p:sldId id="427" r:id="rId16"/>
+    <p:sldId id="428" r:id="rId17"/>
+    <p:sldId id="434" r:id="rId18"/>
+    <p:sldId id="423" r:id="rId19"/>
+    <p:sldId id="435" r:id="rId20"/>
   </p:sldIdLst>
   <p:sldSz cx="18288000" cy="10287000"/>
   <p:notesSz cx="6858000" cy="9144000"/>
   <p:embeddedFontLst>
     <p:embeddedFont>
       <p:font typeface="Consolas" panose="020B0609020204030204" pitchFamily="49" charset="0"/>
-      <p:regular r:id="rId21"/>
-      <p:bold r:id="rId22"/>
-      <p:italic r:id="rId23"/>
-      <p:boldItalic r:id="rId24"/>
+      <p:regular r:id="rId22"/>
+      <p:bold r:id="rId23"/>
+      <p:italic r:id="rId24"/>
+      <p:boldItalic r:id="rId25"/>
     </p:embeddedFont>
   </p:embeddedFontLst>
   <p:defaultTextStyle>
@@ -252,7 +253,7 @@
           <a:p>
             <a:fld id="{17A98A70-FA8C-4354-959C-C70678AC9BCF}" type="datetimeFigureOut">
               <a:rPr lang="en-US" smtClean="0"/>
-              <a:t>1/11/2024</a:t>
+              <a:t>9/18/2024</a:t>
             </a:fld>
             <a:endParaRPr lang="en-US"/>
           </a:p>
@@ -563,7 +564,31 @@
           <a:bodyPr/>
           <a:lstStyle/>
           <a:p>
-            <a:endParaRPr lang="en-US" dirty="0"/>
+            <a:pPr marL="228600" indent="-228600">
+              <a:buAutoNum type="arabicPeriod"/>
+            </a:pPr>
+            <a:r>
+              <a:rPr lang="en-US" dirty="0"/>
+              <a:t>False!</a:t>
+            </a:r>
+          </a:p>
+          <a:p>
+            <a:pPr marL="228600" indent="-228600">
+              <a:buAutoNum type="arabicPeriod"/>
+            </a:pPr>
+            <a:r>
+              <a:rPr lang="en-US" dirty="0"/>
+              <a:t>Function, Formula, Function</a:t>
+            </a:r>
+          </a:p>
+          <a:p>
+            <a:pPr marL="228600" indent="-228600">
+              <a:buAutoNum type="arabicPeriod"/>
+            </a:pPr>
+            <a:r>
+              <a:rPr lang="en-US" dirty="0"/>
+              <a:t>Argument</a:t>
+            </a:r>
           </a:p>
         </p:txBody>
       </p:sp>
@@ -582,9 +607,9 @@
           <a:bodyPr/>
           <a:lstStyle/>
           <a:p>
-            <a:fld id="{FFB500C5-13F7-48FC-8160-C29AECF6C602}" type="slidenum">
+            <a:fld id="{1300335D-9F13-4B80-ADC5-B0EA3E10FF6B}" type="slidenum">
               <a:rPr lang="en-US" smtClean="0"/>
-              <a:t>2</a:t>
+              <a:t>6</a:t>
             </a:fld>
             <a:endParaRPr lang="en-US"/>
           </a:p>
@@ -593,7 +618,7 @@
     </p:spTree>
     <p:extLst>
       <p:ext uri="{BB962C8B-B14F-4D97-AF65-F5344CB8AC3E}">
-        <p14:creationId xmlns:p14="http://schemas.microsoft.com/office/powerpoint/2010/main" val="1700759013"/>
+        <p14:creationId xmlns:p14="http://schemas.microsoft.com/office/powerpoint/2010/main" val="624549242"/>
       </p:ext>
     </p:extLst>
   </p:cSld>
@@ -692,7 +717,7 @@
           <a:p>
             <a:fld id="{1300335D-9F13-4B80-ADC5-B0EA3E10FF6B}" type="slidenum">
               <a:rPr lang="en-US" smtClean="0"/>
-              <a:t>6</a:t>
+              <a:t>9</a:t>
             </a:fld>
             <a:endParaRPr lang="en-US"/>
           </a:p>
@@ -701,7 +726,7 @@
     </p:spTree>
     <p:extLst>
       <p:ext uri="{BB962C8B-B14F-4D97-AF65-F5344CB8AC3E}">
-        <p14:creationId xmlns:p14="http://schemas.microsoft.com/office/powerpoint/2010/main" val="624549242"/>
+        <p14:creationId xmlns:p14="http://schemas.microsoft.com/office/powerpoint/2010/main" val="1500510141"/>
       </p:ext>
     </p:extLst>
   </p:cSld>
@@ -800,114 +825,6 @@
           <a:p>
             <a:fld id="{1300335D-9F13-4B80-ADC5-B0EA3E10FF6B}" type="slidenum">
               <a:rPr lang="en-US" smtClean="0"/>
-              <a:t>9</a:t>
-            </a:fld>
-            <a:endParaRPr lang="en-US"/>
-          </a:p>
-        </p:txBody>
-      </p:sp>
-    </p:spTree>
-    <p:extLst>
-      <p:ext uri="{BB962C8B-B14F-4D97-AF65-F5344CB8AC3E}">
-        <p14:creationId xmlns:p14="http://schemas.microsoft.com/office/powerpoint/2010/main" val="1500510141"/>
-      </p:ext>
-    </p:extLst>
-  </p:cSld>
-  <p:clrMapOvr>
-    <a:masterClrMapping/>
-  </p:clrMapOvr>
-</p:notes>
-</file>
-
-<file path=ppt/notesSlides/notesSlide4.xml><?xml version="1.0" encoding="utf-8"?>
-<p:notes xmlns:a="http://schemas.openxmlformats.org/drawingml/2006/main" xmlns:r="http://schemas.openxmlformats.org/officeDocument/2006/relationships" xmlns:p="http://schemas.openxmlformats.org/presentationml/2006/main">
-  <p:cSld>
-    <p:spTree>
-      <p:nvGrpSpPr>
-        <p:cNvPr id="1" name=""/>
-        <p:cNvGrpSpPr/>
-        <p:nvPr/>
-      </p:nvGrpSpPr>
-      <p:grpSpPr>
-        <a:xfrm>
-          <a:off x="0" y="0"/>
-          <a:ext cx="0" cy="0"/>
-          <a:chOff x="0" y="0"/>
-          <a:chExt cx="0" cy="0"/>
-        </a:xfrm>
-      </p:grpSpPr>
-      <p:sp>
-        <p:nvSpPr>
-          <p:cNvPr id="2" name="Slide Image Placeholder 1"/>
-          <p:cNvSpPr>
-            <a:spLocks noGrp="1" noRot="1" noChangeAspect="1"/>
-          </p:cNvSpPr>
-          <p:nvPr>
-            <p:ph type="sldImg"/>
-          </p:nvPr>
-        </p:nvSpPr>
-        <p:spPr/>
-      </p:sp>
-      <p:sp>
-        <p:nvSpPr>
-          <p:cNvPr id="3" name="Notes Placeholder 2"/>
-          <p:cNvSpPr>
-            <a:spLocks noGrp="1"/>
-          </p:cNvSpPr>
-          <p:nvPr>
-            <p:ph type="body" idx="1"/>
-          </p:nvPr>
-        </p:nvSpPr>
-        <p:spPr/>
-        <p:txBody>
-          <a:bodyPr/>
-          <a:lstStyle/>
-          <a:p>
-            <a:pPr marL="228600" indent="-228600">
-              <a:buAutoNum type="arabicPeriod"/>
-            </a:pPr>
-            <a:r>
-              <a:rPr lang="en-US" dirty="0"/>
-              <a:t>False!</a:t>
-            </a:r>
-          </a:p>
-          <a:p>
-            <a:pPr marL="228600" indent="-228600">
-              <a:buAutoNum type="arabicPeriod"/>
-            </a:pPr>
-            <a:r>
-              <a:rPr lang="en-US" dirty="0"/>
-              <a:t>Function, Formula, Function</a:t>
-            </a:r>
-          </a:p>
-          <a:p>
-            <a:pPr marL="228600" indent="-228600">
-              <a:buAutoNum type="arabicPeriod"/>
-            </a:pPr>
-            <a:r>
-              <a:rPr lang="en-US" dirty="0"/>
-              <a:t>Argument</a:t>
-            </a:r>
-          </a:p>
-        </p:txBody>
-      </p:sp>
-      <p:sp>
-        <p:nvSpPr>
-          <p:cNvPr id="4" name="Slide Number Placeholder 3"/>
-          <p:cNvSpPr>
-            <a:spLocks noGrp="1"/>
-          </p:cNvSpPr>
-          <p:nvPr>
-            <p:ph type="sldNum" sz="quarter" idx="5"/>
-          </p:nvPr>
-        </p:nvSpPr>
-        <p:spPr/>
-        <p:txBody>
-          <a:bodyPr/>
-          <a:lstStyle/>
-          <a:p>
-            <a:fld id="{1300335D-9F13-4B80-ADC5-B0EA3E10FF6B}" type="slidenum">
-              <a:rPr lang="en-US" smtClean="0"/>
               <a:t>12</a:t>
             </a:fld>
             <a:endParaRPr lang="en-US"/>
@@ -927,7 +844,7 @@
 </p:notes>
 </file>
 
-<file path=ppt/notesSlides/notesSlide5.xml><?xml version="1.0" encoding="utf-8"?>
+<file path=ppt/notesSlides/notesSlide4.xml><?xml version="1.0" encoding="utf-8"?>
 <p:notes xmlns:a="http://schemas.openxmlformats.org/drawingml/2006/main" xmlns:r="http://schemas.openxmlformats.org/officeDocument/2006/relationships" xmlns:p="http://schemas.openxmlformats.org/presentationml/2006/main">
   <p:cSld>
     <p:spTree>
@@ -1059,7 +976,7 @@
 </p:notes>
 </file>
 
-<file path=ppt/notesSlides/notesSlide6.xml><?xml version="1.0" encoding="utf-8"?>
+<file path=ppt/notesSlides/notesSlide5.xml><?xml version="1.0" encoding="utf-8"?>
 <p:notes xmlns:a="http://schemas.openxmlformats.org/drawingml/2006/main" xmlns:r="http://schemas.openxmlformats.org/officeDocument/2006/relationships" xmlns:p="http://schemas.openxmlformats.org/presentationml/2006/main">
   <p:cSld>
     <p:spTree>
@@ -1182,6 +1099,138 @@
     <p:extLst>
       <p:ext uri="{BB962C8B-B14F-4D97-AF65-F5344CB8AC3E}">
         <p14:creationId xmlns:p14="http://schemas.microsoft.com/office/powerpoint/2010/main" val="1010347830"/>
+      </p:ext>
+    </p:extLst>
+  </p:cSld>
+  <p:clrMapOvr>
+    <a:masterClrMapping/>
+  </p:clrMapOvr>
+</p:notes>
+</file>
+
+<file path=ppt/notesSlides/notesSlide6.xml><?xml version="1.0" encoding="utf-8"?>
+<p:notes xmlns:a="http://schemas.openxmlformats.org/drawingml/2006/main" xmlns:r="http://schemas.openxmlformats.org/officeDocument/2006/relationships" xmlns:p="http://schemas.openxmlformats.org/presentationml/2006/main">
+  <p:cSld>
+    <p:spTree>
+      <p:nvGrpSpPr>
+        <p:cNvPr id="1" name="">
+          <a:extLst>
+            <a:ext uri="{FF2B5EF4-FFF2-40B4-BE49-F238E27FC236}">
+              <a16:creationId xmlns:a16="http://schemas.microsoft.com/office/drawing/2014/main" id="{47A067ED-A016-57BA-D224-70AA46D93135}"/>
+            </a:ext>
+          </a:extLst>
+        </p:cNvPr>
+        <p:cNvGrpSpPr/>
+        <p:nvPr/>
+      </p:nvGrpSpPr>
+      <p:grpSpPr>
+        <a:xfrm>
+          <a:off x="0" y="0"/>
+          <a:ext cx="0" cy="0"/>
+          <a:chOff x="0" y="0"/>
+          <a:chExt cx="0" cy="0"/>
+        </a:xfrm>
+      </p:grpSpPr>
+      <p:sp>
+        <p:nvSpPr>
+          <p:cNvPr id="2" name="Slide Image Placeholder 1">
+            <a:extLst>
+              <a:ext uri="{FF2B5EF4-FFF2-40B4-BE49-F238E27FC236}">
+                <a16:creationId xmlns:a16="http://schemas.microsoft.com/office/drawing/2014/main" id="{0651CB7E-3B46-E09F-5FB1-F9BF1476F2B6}"/>
+              </a:ext>
+            </a:extLst>
+          </p:cNvPr>
+          <p:cNvSpPr>
+            <a:spLocks noGrp="1" noRot="1" noChangeAspect="1"/>
+          </p:cNvSpPr>
+          <p:nvPr>
+            <p:ph type="sldImg"/>
+          </p:nvPr>
+        </p:nvSpPr>
+        <p:spPr/>
+      </p:sp>
+      <p:sp>
+        <p:nvSpPr>
+          <p:cNvPr id="3" name="Notes Placeholder 2">
+            <a:extLst>
+              <a:ext uri="{FF2B5EF4-FFF2-40B4-BE49-F238E27FC236}">
+                <a16:creationId xmlns:a16="http://schemas.microsoft.com/office/drawing/2014/main" id="{908012CA-E0D6-FD3E-20B8-D1A73D2FD5EC}"/>
+              </a:ext>
+            </a:extLst>
+          </p:cNvPr>
+          <p:cNvSpPr>
+            <a:spLocks noGrp="1"/>
+          </p:cNvSpPr>
+          <p:nvPr>
+            <p:ph type="body" idx="1"/>
+          </p:nvPr>
+        </p:nvSpPr>
+        <p:spPr/>
+        <p:txBody>
+          <a:bodyPr/>
+          <a:lstStyle/>
+          <a:p>
+            <a:pPr marL="228600" indent="-228600">
+              <a:buAutoNum type="arabicPeriod"/>
+            </a:pPr>
+            <a:r>
+              <a:rPr lang="en-US" dirty="0"/>
+              <a:t>False!</a:t>
+            </a:r>
+          </a:p>
+          <a:p>
+            <a:pPr marL="228600" indent="-228600">
+              <a:buAutoNum type="arabicPeriod"/>
+            </a:pPr>
+            <a:r>
+              <a:rPr lang="en-US" dirty="0"/>
+              <a:t>Function, Formula, Function</a:t>
+            </a:r>
+          </a:p>
+          <a:p>
+            <a:pPr marL="228600" indent="-228600">
+              <a:buAutoNum type="arabicPeriod"/>
+            </a:pPr>
+            <a:r>
+              <a:rPr lang="en-US" dirty="0"/>
+              <a:t>Argument</a:t>
+            </a:r>
+          </a:p>
+        </p:txBody>
+      </p:sp>
+      <p:sp>
+        <p:nvSpPr>
+          <p:cNvPr id="4" name="Slide Number Placeholder 3">
+            <a:extLst>
+              <a:ext uri="{FF2B5EF4-FFF2-40B4-BE49-F238E27FC236}">
+                <a16:creationId xmlns:a16="http://schemas.microsoft.com/office/drawing/2014/main" id="{7B19E27F-BF8C-B30E-1836-79F668127F37}"/>
+              </a:ext>
+            </a:extLst>
+          </p:cNvPr>
+          <p:cNvSpPr>
+            <a:spLocks noGrp="1"/>
+          </p:cNvSpPr>
+          <p:nvPr>
+            <p:ph type="sldNum" sz="quarter" idx="5"/>
+          </p:nvPr>
+        </p:nvSpPr>
+        <p:spPr/>
+        <p:txBody>
+          <a:bodyPr/>
+          <a:lstStyle/>
+          <a:p>
+            <a:fld id="{1300335D-9F13-4B80-ADC5-B0EA3E10FF6B}" type="slidenum">
+              <a:rPr lang="en-US" smtClean="0"/>
+              <a:t>17</a:t>
+            </a:fld>
+            <a:endParaRPr lang="en-US"/>
+          </a:p>
+        </p:txBody>
+      </p:sp>
+    </p:spTree>
+    <p:extLst>
+      <p:ext uri="{BB962C8B-B14F-4D97-AF65-F5344CB8AC3E}">
+        <p14:creationId xmlns:p14="http://schemas.microsoft.com/office/powerpoint/2010/main" val="2557959449"/>
       </p:ext>
     </p:extLst>
   </p:cSld>
@@ -1304,7 +1353,7 @@
           <a:p>
             <a:fld id="{1300335D-9F13-4B80-ADC5-B0EA3E10FF6B}" type="slidenum">
               <a:rPr lang="en-US" smtClean="0"/>
-              <a:t>17</a:t>
+              <a:t>18</a:t>
             </a:fld>
             <a:endParaRPr lang="en-US"/>
           </a:p>
@@ -1503,7 +1552,7 @@
             <a:fld id="{1D8BD707-D9CF-40AE-B4C6-C98DA3205C09}" type="datetimeFigureOut">
               <a:rPr lang="en-US" smtClean="0"/>
               <a:pPr/>
-              <a:t>1/11/2024</a:t>
+              <a:t>9/18/2024</a:t>
             </a:fld>
             <a:endParaRPr lang="en-US"/>
           </a:p>
@@ -1668,7 +1717,7 @@
             <a:fld id="{1D8BD707-D9CF-40AE-B4C6-C98DA3205C09}" type="datetimeFigureOut">
               <a:rPr lang="en-US" smtClean="0"/>
               <a:pPr/>
-              <a:t>1/11/2024</a:t>
+              <a:t>9/18/2024</a:t>
             </a:fld>
             <a:endParaRPr lang="en-US"/>
           </a:p>
@@ -1843,7 +1892,7 @@
             <a:fld id="{1D8BD707-D9CF-40AE-B4C6-C98DA3205C09}" type="datetimeFigureOut">
               <a:rPr lang="en-US" smtClean="0"/>
               <a:pPr/>
-              <a:t>1/11/2024</a:t>
+              <a:t>9/18/2024</a:t>
             </a:fld>
             <a:endParaRPr lang="en-US"/>
           </a:p>
@@ -2008,7 +2057,7 @@
             <a:fld id="{1D8BD707-D9CF-40AE-B4C6-C98DA3205C09}" type="datetimeFigureOut">
               <a:rPr lang="en-US" smtClean="0"/>
               <a:pPr/>
-              <a:t>1/11/2024</a:t>
+              <a:t>9/18/2024</a:t>
             </a:fld>
             <a:endParaRPr lang="en-US"/>
           </a:p>
@@ -2250,7 +2299,7 @@
             <a:fld id="{1D8BD707-D9CF-40AE-B4C6-C98DA3205C09}" type="datetimeFigureOut">
               <a:rPr lang="en-US" smtClean="0"/>
               <a:pPr/>
-              <a:t>1/11/2024</a:t>
+              <a:t>9/18/2024</a:t>
             </a:fld>
             <a:endParaRPr lang="en-US"/>
           </a:p>
@@ -2532,7 +2581,7 @@
             <a:fld id="{1D8BD707-D9CF-40AE-B4C6-C98DA3205C09}" type="datetimeFigureOut">
               <a:rPr lang="en-US" smtClean="0"/>
               <a:pPr/>
-              <a:t>1/11/2024</a:t>
+              <a:t>9/18/2024</a:t>
             </a:fld>
             <a:endParaRPr lang="en-US"/>
           </a:p>
@@ -2948,7 +2997,7 @@
             <a:fld id="{1D8BD707-D9CF-40AE-B4C6-C98DA3205C09}" type="datetimeFigureOut">
               <a:rPr lang="en-US" smtClean="0"/>
               <a:pPr/>
-              <a:t>1/11/2024</a:t>
+              <a:t>9/18/2024</a:t>
             </a:fld>
             <a:endParaRPr lang="en-US"/>
           </a:p>
@@ -3062,7 +3111,7 @@
             <a:fld id="{1D8BD707-D9CF-40AE-B4C6-C98DA3205C09}" type="datetimeFigureOut">
               <a:rPr lang="en-US" smtClean="0"/>
               <a:pPr/>
-              <a:t>1/11/2024</a:t>
+              <a:t>9/18/2024</a:t>
             </a:fld>
             <a:endParaRPr lang="en-US"/>
           </a:p>
@@ -3154,7 +3203,7 @@
             <a:fld id="{1D8BD707-D9CF-40AE-B4C6-C98DA3205C09}" type="datetimeFigureOut">
               <a:rPr lang="en-US" smtClean="0"/>
               <a:pPr/>
-              <a:t>1/11/2024</a:t>
+              <a:t>9/18/2024</a:t>
             </a:fld>
             <a:endParaRPr lang="en-US"/>
           </a:p>
@@ -3426,7 +3475,7 @@
             <a:fld id="{1D8BD707-D9CF-40AE-B4C6-C98DA3205C09}" type="datetimeFigureOut">
               <a:rPr lang="en-US" smtClean="0"/>
               <a:pPr/>
-              <a:t>1/11/2024</a:t>
+              <a:t>9/18/2024</a:t>
             </a:fld>
             <a:endParaRPr lang="en-US"/>
           </a:p>
@@ -3675,7 +3724,7 @@
             <a:fld id="{1D8BD707-D9CF-40AE-B4C6-C98DA3205C09}" type="datetimeFigureOut">
               <a:rPr lang="en-US" smtClean="0"/>
               <a:pPr/>
-              <a:t>1/11/2024</a:t>
+              <a:t>9/18/2024</a:t>
             </a:fld>
             <a:endParaRPr lang="en-US"/>
           </a:p>
@@ -3888,7 +3937,7 @@
             <a:fld id="{1D8BD707-D9CF-40AE-B4C6-C98DA3205C09}" type="datetimeFigureOut">
               <a:rPr lang="en-US" smtClean="0"/>
               <a:pPr/>
-              <a:t>1/11/2024</a:t>
+              <a:t>9/18/2024</a:t>
             </a:fld>
             <a:endParaRPr lang="en-US"/>
           </a:p>
@@ -4303,49 +4352,32 @@
       </p:pic>
       <p:pic>
         <p:nvPicPr>
-          <p:cNvPr id="1026" name="Picture 2" descr="How to get started using Python in Excel (First steps)">
+          <p:cNvPr id="7" name="Picture 6">
             <a:extLst>
               <a:ext uri="{FF2B5EF4-FFF2-40B4-BE49-F238E27FC236}">
-                <a16:creationId xmlns:a16="http://schemas.microsoft.com/office/drawing/2014/main" id="{EB6C693F-2757-255F-84D0-2C9B9485BF59}"/>
+                <a16:creationId xmlns:a16="http://schemas.microsoft.com/office/drawing/2014/main" id="{8D052F6B-2E62-E041-6DDF-7410729E8CE1}"/>
               </a:ext>
             </a:extLst>
           </p:cNvPr>
           <p:cNvPicPr>
-            <a:picLocks noChangeAspect="1" noChangeArrowheads="1"/>
+            <a:picLocks noChangeAspect="1"/>
           </p:cNvPicPr>
           <p:nvPr/>
         </p:nvPicPr>
         <p:blipFill>
-          <a:blip r:embed="rId3">
-            <a:extLst>
-              <a:ext uri="{28A0092B-C50C-407E-A947-70E740481C1C}">
-                <a14:useLocalDpi xmlns:a14="http://schemas.microsoft.com/office/drawing/2010/main" val="0"/>
-              </a:ext>
-            </a:extLst>
-          </a:blip>
-          <a:srcRect/>
+          <a:blip r:embed="rId3"/>
           <a:stretch>
             <a:fillRect/>
           </a:stretch>
         </p:blipFill>
-        <p:spPr bwMode="auto">
-          <a:xfrm>
-            <a:off x="1066800" y="800100"/>
-            <a:ext cx="15690574" cy="8458200"/>
+        <p:spPr>
+          <a:xfrm>
+            <a:off x="0" y="0"/>
+            <a:ext cx="18288000" cy="10287000"/>
           </a:xfrm>
           <a:prstGeom prst="rect">
             <a:avLst/>
           </a:prstGeom>
-          <a:noFill/>
-          <a:extLst>
-            <a:ext uri="{909E8E84-426E-40DD-AFC4-6F175D3DCCD1}">
-              <a14:hiddenFill xmlns:a14="http://schemas.microsoft.com/office/drawing/2010/main">
-                <a:solidFill>
-                  <a:srgbClr val="FFFFFF"/>
-                </a:solidFill>
-              </a14:hiddenFill>
-            </a:ext>
-          </a:extLst>
         </p:spPr>
       </p:pic>
     </p:spTree>
@@ -5408,7 +5440,7 @@
         <p:spPr>
           <a:xfrm>
             <a:off x="260431" y="329879"/>
-            <a:ext cx="8906720" cy="3640484"/>
+            <a:ext cx="8906720" cy="1938992"/>
           </a:xfrm>
           <a:prstGeom prst="rect">
             <a:avLst/>
@@ -5439,68 +5471,16 @@
               </a:rPr>
               <a:t>Python for Excel</a:t>
             </a:r>
-            <a:endParaRPr lang="en-US" sz="6000" b="1" dirty="0">
-              <a:solidFill>
-                <a:srgbClr val="CF3338"/>
-              </a:solidFill>
-              <a:latin typeface="Pragmatica" panose="020B0403040502020204" pitchFamily="34" charset="0"/>
-            </a:endParaRPr>
-          </a:p>
-          <a:p>
-            <a:pPr marL="142875">
-              <a:lnSpc>
-                <a:spcPct val="115000"/>
-              </a:lnSpc>
-              <a:spcBef>
-                <a:spcPts val="1125"/>
-              </a:spcBef>
-              <a:buClr>
-                <a:srgbClr val="C00000"/>
-              </a:buClr>
-              <a:buSzPts val="2100"/>
-            </a:pPr>
-            <a:endParaRPr lang="en-US" sz="3600" dirty="0">
-              <a:solidFill>
-                <a:srgbClr val="C00000"/>
-              </a:solidFill>
-              <a:latin typeface="Pragmatica" panose="020B0403040502020204"/>
-              <a:sym typeface="Consolas"/>
-            </a:endParaRPr>
-          </a:p>
-          <a:p>
-            <a:r>
-              <a:rPr lang="en-US" sz="4000" dirty="0">
+          </a:p>
+          <a:p>
+            <a:r>
+              <a:rPr lang="en-US" sz="6000" b="1" dirty="0">
                 <a:solidFill>
                   <a:srgbClr val="CF3338"/>
                 </a:solidFill>
                 <a:latin typeface="Pragmatica" panose="020B0403040502020204" pitchFamily="34" charset="0"/>
               </a:rPr>
-              <a:t>Available on O’Reilly Online Learning: </a:t>
-            </a:r>
-            <a:r>
-              <a:rPr lang="en-US" sz="4000" dirty="0">
-                <a:solidFill>
-                  <a:srgbClr val="CF3338"/>
-                </a:solidFill>
-                <a:latin typeface="Pragmatica" panose="020B0403040502020204" pitchFamily="34" charset="0"/>
-                <a:hlinkClick r:id="rId4">
-                  <a:extLst>
-                    <a:ext uri="{A12FA001-AC4F-418D-AE19-62706E023703}">
-                      <ahyp:hlinkClr xmlns:ahyp="http://schemas.microsoft.com/office/drawing/2018/hyperlinkcolor" val="tx"/>
-                    </a:ext>
-                  </a:extLst>
-                </a:hlinkClick>
-              </a:rPr>
-              <a:t>https://learning.oreilly.com/library/view/python-for-excel/9781492080992/</a:t>
-            </a:r>
-            <a:r>
-              <a:rPr lang="en-US" sz="4000" dirty="0">
-                <a:solidFill>
-                  <a:srgbClr val="CF3338"/>
-                </a:solidFill>
-                <a:latin typeface="Pragmatica" panose="020B0403040502020204" pitchFamily="34" charset="0"/>
-              </a:rPr>
-              <a:t> </a:t>
+              <a:t>xlwings.org/book</a:t>
             </a:r>
           </a:p>
         </p:txBody>
@@ -5520,7 +5500,7 @@
           <p:nvPr/>
         </p:nvPicPr>
         <p:blipFill>
-          <a:blip r:embed="rId5">
+          <a:blip r:embed="rId4">
             <a:extLst>
               <a:ext uri="{28A0092B-C50C-407E-A947-70E740481C1C}">
                 <a14:useLocalDpi xmlns:a14="http://schemas.microsoft.com/office/drawing/2010/main" val="0"/>
@@ -5534,8 +5514,8 @@
         </p:blipFill>
         <p:spPr bwMode="auto">
           <a:xfrm>
-            <a:off x="762000" y="4686300"/>
-            <a:ext cx="3810000" cy="5000625"/>
+            <a:off x="762000" y="4457700"/>
+            <a:ext cx="4064000" cy="5334000"/>
           </a:xfrm>
           <a:prstGeom prst="rect">
             <a:avLst/>
@@ -5555,7 +5535,7 @@
     </p:spTree>
     <p:extLst>
       <p:ext uri="{BB962C8B-B14F-4D97-AF65-F5344CB8AC3E}">
-        <p14:creationId xmlns:p14="http://schemas.microsoft.com/office/powerpoint/2010/main" val="837451578"/>
+        <p14:creationId xmlns:p14="http://schemas.microsoft.com/office/powerpoint/2010/main" val="1685889966"/>
       </p:ext>
     </p:extLst>
   </p:cSld>
@@ -5690,7 +5670,7 @@
         <p:spPr>
           <a:xfrm>
             <a:off x="260431" y="329879"/>
-            <a:ext cx="8906720" cy="5364033"/>
+            <a:ext cx="8906720" cy="2769989"/>
           </a:xfrm>
           <a:prstGeom prst="rect">
             <a:avLst/>
@@ -5721,77 +5701,17 @@
               </a:rPr>
               <a:t>Advancing into Analytics</a:t>
             </a:r>
-            <a:endParaRPr lang="en-US" sz="6000" b="1" dirty="0">
-              <a:solidFill>
-                <a:srgbClr val="CF3338"/>
-              </a:solidFill>
-              <a:latin typeface="Pragmatica" panose="020B0403040502020204" pitchFamily="34" charset="0"/>
-            </a:endParaRPr>
-          </a:p>
-          <a:p>
-            <a:pPr marL="142875">
-              <a:lnSpc>
-                <a:spcPct val="115000"/>
-              </a:lnSpc>
-              <a:spcBef>
-                <a:spcPts val="1125"/>
-              </a:spcBef>
-              <a:buClr>
-                <a:srgbClr val="C00000"/>
-              </a:buClr>
-              <a:buSzPts val="2100"/>
-            </a:pPr>
-            <a:endParaRPr lang="en-US" sz="3600" dirty="0">
-              <a:solidFill>
-                <a:srgbClr val="C00000"/>
-              </a:solidFill>
-              <a:latin typeface="Pragmatica" panose="020B0403040502020204"/>
-              <a:sym typeface="Consolas"/>
-            </a:endParaRPr>
-          </a:p>
-          <a:p>
-            <a:r>
-              <a:rPr lang="en-US" sz="4000" dirty="0">
+          </a:p>
+          <a:p>
+            <a:r>
+              <a:rPr lang="en-US" sz="5400" b="1" dirty="0">
                 <a:solidFill>
                   <a:srgbClr val="CF3338"/>
                 </a:solidFill>
                 <a:latin typeface="Pragmatica" panose="020B0403040502020204" pitchFamily="34" charset="0"/>
               </a:rPr>
-              <a:t>Available on O’Reilly Online Learning: </a:t>
-            </a:r>
-            <a:r>
-              <a:rPr lang="en-US" sz="3600" dirty="0">
-                <a:solidFill>
-                  <a:srgbClr val="CF3338"/>
-                </a:solidFill>
-                <a:latin typeface="Pragmatica" panose="020B0403040502020204" pitchFamily="34" charset="0"/>
-                <a:hlinkClick r:id="rId4">
-                  <a:extLst>
-                    <a:ext uri="{A12FA001-AC4F-418D-AE19-62706E023703}">
-                      <ahyp:hlinkClr xmlns:ahyp="http://schemas.microsoft.com/office/drawing/2018/hyperlinkcolor" val="tx"/>
-                    </a:ext>
-                  </a:extLst>
-                </a:hlinkClick>
-              </a:rPr>
-              <a:t>https://learning.oreilly.com/library/view/advancing-into-analytics/9781492094333/</a:t>
-            </a:r>
-            <a:r>
-              <a:rPr lang="en-US" sz="3600" dirty="0">
-                <a:solidFill>
-                  <a:srgbClr val="CF3338"/>
-                </a:solidFill>
-                <a:latin typeface="Pragmatica" panose="020B0403040502020204" pitchFamily="34" charset="0"/>
-              </a:rPr>
-              <a:t> </a:t>
-            </a:r>
-          </a:p>
-          <a:p>
-            <a:endParaRPr lang="en-US" sz="6000" dirty="0">
-              <a:solidFill>
-                <a:srgbClr val="CF3338"/>
-              </a:solidFill>
-              <a:latin typeface="Pragmatica" panose="020B0403040502020204" pitchFamily="34" charset="0"/>
-            </a:endParaRPr>
+              <a:t>stringfestanalytics.com/book/</a:t>
+            </a:r>
           </a:p>
         </p:txBody>
       </p:sp>
@@ -5810,7 +5730,7 @@
           <p:nvPr/>
         </p:nvPicPr>
         <p:blipFill>
-          <a:blip r:embed="rId5">
+          <a:blip r:embed="rId4">
             <a:extLst>
               <a:ext uri="{28A0092B-C50C-407E-A947-70E740481C1C}">
                 <a14:useLocalDpi xmlns:a14="http://schemas.microsoft.com/office/drawing/2010/main" val="0"/>
@@ -5824,8 +5744,8 @@
         </p:blipFill>
         <p:spPr bwMode="auto">
           <a:xfrm>
-            <a:off x="381000" y="5044380"/>
-            <a:ext cx="3810000" cy="5000625"/>
+            <a:off x="381000" y="4744342"/>
+            <a:ext cx="4038600" cy="5300663"/>
           </a:xfrm>
           <a:prstGeom prst="rect">
             <a:avLst/>
@@ -5845,7 +5765,7 @@
     </p:spTree>
     <p:extLst>
       <p:ext uri="{BB962C8B-B14F-4D97-AF65-F5344CB8AC3E}">
-        <p14:creationId xmlns:p14="http://schemas.microsoft.com/office/powerpoint/2010/main" val="616977739"/>
+        <p14:creationId xmlns:p14="http://schemas.microsoft.com/office/powerpoint/2010/main" val="3944043099"/>
       </p:ext>
     </p:extLst>
   </p:cSld>
@@ -5856,6 +5776,236 @@
 </file>
 
 <file path=ppt/slides/slide17.xml><?xml version="1.0" encoding="utf-8"?>
+<p:sld xmlns:a="http://schemas.openxmlformats.org/drawingml/2006/main" xmlns:r="http://schemas.openxmlformats.org/officeDocument/2006/relationships" xmlns:p="http://schemas.openxmlformats.org/presentationml/2006/main">
+  <p:cSld>
+    <p:spTree>
+      <p:nvGrpSpPr>
+        <p:cNvPr id="1" name="">
+          <a:extLst>
+            <a:ext uri="{FF2B5EF4-FFF2-40B4-BE49-F238E27FC236}">
+              <a16:creationId xmlns:a16="http://schemas.microsoft.com/office/drawing/2014/main" id="{46D09396-561B-D643-3556-69CA2D751CD8}"/>
+            </a:ext>
+          </a:extLst>
+        </p:cNvPr>
+        <p:cNvGrpSpPr/>
+        <p:nvPr/>
+      </p:nvGrpSpPr>
+      <p:grpSpPr>
+        <a:xfrm>
+          <a:off x="0" y="0"/>
+          <a:ext cx="0" cy="0"/>
+          <a:chOff x="0" y="0"/>
+          <a:chExt cx="0" cy="0"/>
+        </a:xfrm>
+      </p:grpSpPr>
+      <p:sp>
+        <p:nvSpPr>
+          <p:cNvPr id="4" name="Rectangle 3">
+            <a:extLst>
+              <a:ext uri="{FF2B5EF4-FFF2-40B4-BE49-F238E27FC236}">
+                <a16:creationId xmlns:a16="http://schemas.microsoft.com/office/drawing/2014/main" id="{EFDC6CDF-AB13-8B48-8A7F-18C08F171B56}"/>
+              </a:ext>
+            </a:extLst>
+          </p:cNvPr>
+          <p:cNvSpPr/>
+          <p:nvPr/>
+        </p:nvSpPr>
+        <p:spPr>
+          <a:xfrm>
+            <a:off x="9861630" y="0"/>
+            <a:ext cx="8426370" cy="10287000"/>
+          </a:xfrm>
+          <a:prstGeom prst="rect">
+            <a:avLst/>
+          </a:prstGeom>
+          <a:solidFill>
+            <a:srgbClr val="CF3338"/>
+          </a:solidFill>
+          <a:ln>
+            <a:noFill/>
+          </a:ln>
+        </p:spPr>
+        <p:style>
+          <a:lnRef idx="2">
+            <a:schemeClr val="accent1">
+              <a:shade val="50000"/>
+            </a:schemeClr>
+          </a:lnRef>
+          <a:fillRef idx="1">
+            <a:schemeClr val="accent1"/>
+          </a:fillRef>
+          <a:effectRef idx="0">
+            <a:schemeClr val="accent1"/>
+          </a:effectRef>
+          <a:fontRef idx="minor">
+            <a:schemeClr val="lt1"/>
+          </a:fontRef>
+        </p:style>
+        <p:txBody>
+          <a:bodyPr rtlCol="0" anchor="ctr"/>
+          <a:lstStyle/>
+          <a:p>
+            <a:pPr algn="ctr"/>
+            <a:endParaRPr lang="en-US" sz="2700"/>
+          </a:p>
+        </p:txBody>
+      </p:sp>
+      <p:pic>
+        <p:nvPicPr>
+          <p:cNvPr id="2" name="Picture 1">
+            <a:extLst>
+              <a:ext uri="{FF2B5EF4-FFF2-40B4-BE49-F238E27FC236}">
+                <a16:creationId xmlns:a16="http://schemas.microsoft.com/office/drawing/2014/main" id="{B2D9A9A4-C796-26A2-980A-3CB93CCBCF29}"/>
+              </a:ext>
+            </a:extLst>
+          </p:cNvPr>
+          <p:cNvPicPr>
+            <a:picLocks noChangeAspect="1"/>
+          </p:cNvPicPr>
+          <p:nvPr/>
+        </p:nvPicPr>
+        <p:blipFill rotWithShape="1">
+          <a:blip r:embed="rId3">
+            <a:extLst>
+              <a:ext uri="{28A0092B-C50C-407E-A947-70E740481C1C}">
+                <a14:useLocalDpi xmlns:a14="http://schemas.microsoft.com/office/drawing/2010/main" val="0"/>
+              </a:ext>
+            </a:extLst>
+          </a:blip>
+          <a:srcRect l="69227" t="33418" r="20112" b="50548"/>
+          <a:stretch/>
+        </p:blipFill>
+        <p:spPr>
+          <a:xfrm>
+            <a:off x="15579524" y="7544693"/>
+            <a:ext cx="2708477" cy="2987579"/>
+          </a:xfrm>
+          <a:prstGeom prst="rect">
+            <a:avLst/>
+          </a:prstGeom>
+        </p:spPr>
+      </p:pic>
+      <p:sp>
+        <p:nvSpPr>
+          <p:cNvPr id="3" name="TextBox 2">
+            <a:extLst>
+              <a:ext uri="{FF2B5EF4-FFF2-40B4-BE49-F238E27FC236}">
+                <a16:creationId xmlns:a16="http://schemas.microsoft.com/office/drawing/2014/main" id="{C4800D93-3A4B-596D-7938-DEAD013A776E}"/>
+              </a:ext>
+            </a:extLst>
+          </p:cNvPr>
+          <p:cNvSpPr txBox="1"/>
+          <p:nvPr/>
+        </p:nvSpPr>
+        <p:spPr>
+          <a:xfrm>
+            <a:off x="260431" y="329879"/>
+            <a:ext cx="8906720" cy="2769989"/>
+          </a:xfrm>
+          <a:prstGeom prst="rect">
+            <a:avLst/>
+          </a:prstGeom>
+          <a:noFill/>
+        </p:spPr>
+        <p:txBody>
+          <a:bodyPr wrap="square" rtlCol="0">
+            <a:spAutoFit/>
+          </a:bodyPr>
+          <a:lstStyle/>
+          <a:p>
+            <a:r>
+              <a:rPr lang="en-US" sz="6000" b="1" dirty="0">
+                <a:solidFill>
+                  <a:srgbClr val="CF3338"/>
+                </a:solidFill>
+                <a:latin typeface="Pragmatica" panose="020B0403040502020204" pitchFamily="34" charset="0"/>
+              </a:rPr>
+              <a:t>Resource: </a:t>
+            </a:r>
+            <a:r>
+              <a:rPr lang="en-US" sz="6000" b="1" i="1" dirty="0">
+                <a:solidFill>
+                  <a:srgbClr val="CF3338"/>
+                </a:solidFill>
+                <a:latin typeface="Pragmatica" panose="020B0403040502020204" pitchFamily="34" charset="0"/>
+              </a:rPr>
+              <a:t>Modern Data Analytics in Excel</a:t>
+            </a:r>
+          </a:p>
+          <a:p>
+            <a:r>
+              <a:rPr lang="en-US" sz="4800" b="1" dirty="0">
+                <a:solidFill>
+                  <a:srgbClr val="CF3338"/>
+                </a:solidFill>
+                <a:latin typeface="Pragmatica" panose="020B0403040502020204" pitchFamily="34" charset="0"/>
+              </a:rPr>
+              <a:t>stringfestanalytics.com/maxl/</a:t>
+            </a:r>
+          </a:p>
+        </p:txBody>
+      </p:sp>
+      <p:pic>
+        <p:nvPicPr>
+          <p:cNvPr id="1026" name="Picture 2" descr="Modern data analytics in Excel book cover">
+            <a:extLst>
+              <a:ext uri="{FF2B5EF4-FFF2-40B4-BE49-F238E27FC236}">
+                <a16:creationId xmlns:a16="http://schemas.microsoft.com/office/drawing/2014/main" id="{BB7BC788-6AFA-FB4E-776D-396CA95F757F}"/>
+              </a:ext>
+            </a:extLst>
+          </p:cNvPr>
+          <p:cNvPicPr>
+            <a:picLocks noChangeAspect="1" noChangeArrowheads="1"/>
+          </p:cNvPicPr>
+          <p:nvPr/>
+        </p:nvPicPr>
+        <p:blipFill>
+          <a:blip r:embed="rId4">
+            <a:extLst>
+              <a:ext uri="{28A0092B-C50C-407E-A947-70E740481C1C}">
+                <a14:useLocalDpi xmlns:a14="http://schemas.microsoft.com/office/drawing/2010/main" val="0"/>
+              </a:ext>
+            </a:extLst>
+          </a:blip>
+          <a:srcRect/>
+          <a:stretch>
+            <a:fillRect/>
+          </a:stretch>
+        </p:blipFill>
+        <p:spPr bwMode="auto">
+          <a:xfrm>
+            <a:off x="609600" y="3761035"/>
+            <a:ext cx="4724399" cy="6196087"/>
+          </a:xfrm>
+          <a:prstGeom prst="rect">
+            <a:avLst/>
+          </a:prstGeom>
+          <a:noFill/>
+          <a:extLst>
+            <a:ext uri="{909E8E84-426E-40DD-AFC4-6F175D3DCCD1}">
+              <a14:hiddenFill xmlns:a14="http://schemas.microsoft.com/office/drawing/2010/main">
+                <a:solidFill>
+                  <a:srgbClr val="FFFFFF"/>
+                </a:solidFill>
+              </a14:hiddenFill>
+            </a:ext>
+          </a:extLst>
+        </p:spPr>
+      </p:pic>
+    </p:spTree>
+    <p:extLst>
+      <p:ext uri="{BB962C8B-B14F-4D97-AF65-F5344CB8AC3E}">
+        <p14:creationId xmlns:p14="http://schemas.microsoft.com/office/powerpoint/2010/main" val="441630135"/>
+      </p:ext>
+    </p:extLst>
+  </p:cSld>
+  <p:clrMapOvr>
+    <a:masterClrMapping/>
+  </p:clrMapOvr>
+</p:sld>
+</file>
+
+<file path=ppt/slides/slide18.xml><?xml version="1.0" encoding="utf-8"?>
 <p:sld xmlns:a="http://schemas.openxmlformats.org/drawingml/2006/main" xmlns:r="http://schemas.openxmlformats.org/officeDocument/2006/relationships" xmlns:p="http://schemas.openxmlformats.org/presentationml/2006/main">
   <p:cSld>
     <p:spTree>
@@ -5980,7 +6130,7 @@
         <p:spPr>
           <a:xfrm>
             <a:off x="260431" y="329879"/>
-            <a:ext cx="8906720" cy="5200911"/>
+            <a:ext cx="8906720" cy="4708981"/>
           </a:xfrm>
           <a:prstGeom prst="rect">
             <a:avLst/>
@@ -6000,50 +6150,19 @@
                 </a:solidFill>
                 <a:latin typeface="Pragmatica" panose="020B0403040502020204" pitchFamily="34" charset="0"/>
               </a:rPr>
-              <a:t>Resource: stringfestanalytics.com</a:t>
-            </a:r>
-          </a:p>
-          <a:p>
-            <a:endParaRPr lang="en-US" sz="6000" b="1" dirty="0">
-              <a:solidFill>
-                <a:srgbClr val="CF3338"/>
-              </a:solidFill>
-              <a:latin typeface="Pragmatica" panose="020B0403040502020204" pitchFamily="34" charset="0"/>
-            </a:endParaRPr>
-          </a:p>
-          <a:p>
-            <a:pPr marL="714375" indent="-571500">
-              <a:lnSpc>
-                <a:spcPct val="115000"/>
-              </a:lnSpc>
-              <a:spcBef>
-                <a:spcPts val="1125"/>
-              </a:spcBef>
-              <a:buClr>
-                <a:srgbClr val="C00000"/>
-              </a:buClr>
-              <a:buSzPts val="2100"/>
-              <a:buFont typeface="Arial" panose="020B0604020202020204" pitchFamily="34" charset="0"/>
-              <a:buChar char="•"/>
-            </a:pPr>
-            <a:r>
-              <a:rPr lang="en-US" sz="3600" dirty="0">
+              <a:t>Please fill out the feedback form:</a:t>
+            </a:r>
+          </a:p>
+          <a:p>
+            <a:r>
+              <a:rPr lang="en-US" sz="6000" b="1" dirty="0">
                 <a:solidFill>
-                  <a:srgbClr val="C00000"/>
+                  <a:srgbClr val="CF3338"/>
                 </a:solidFill>
-                <a:latin typeface="Pragmatica" panose="020B0403040502020204"/>
-                <a:sym typeface="Consolas"/>
+                <a:latin typeface="Pragmatica" panose="020B0403040502020204" pitchFamily="34" charset="0"/>
               </a:rPr>
-              <a:t>Subscribe for updates &amp; access to my data analytics learning resource library</a:t>
-            </a:r>
-          </a:p>
-          <a:p>
-            <a:endParaRPr lang="en-US" sz="6000" dirty="0">
-              <a:solidFill>
-                <a:srgbClr val="CF3338"/>
-              </a:solidFill>
-              <a:latin typeface="Pragmatica" panose="020B0403040502020204" pitchFamily="34" charset="0"/>
-            </a:endParaRPr>
+              <a:t> stringfestanalytics.com/event-feedback  </a:t>
+            </a:r>
           </a:p>
         </p:txBody>
       </p:sp>
@@ -6060,12 +6179,18 @@
 </p:sld>
 </file>
 
-<file path=ppt/slides/slide18.xml><?xml version="1.0" encoding="utf-8"?>
+<file path=ppt/slides/slide19.xml><?xml version="1.0" encoding="utf-8"?>
 <p:sld xmlns:a="http://schemas.openxmlformats.org/drawingml/2006/main" xmlns:r="http://schemas.openxmlformats.org/officeDocument/2006/relationships" xmlns:p="http://schemas.openxmlformats.org/presentationml/2006/main">
   <p:cSld>
     <p:spTree>
       <p:nvGrpSpPr>
-        <p:cNvPr id="1" name=""/>
+        <p:cNvPr id="1" name="">
+          <a:extLst>
+            <a:ext uri="{FF2B5EF4-FFF2-40B4-BE49-F238E27FC236}">
+              <a16:creationId xmlns:a16="http://schemas.microsoft.com/office/drawing/2014/main" id="{8992CCF8-5107-7F1D-0BB3-FFF8D5715CC0}"/>
+            </a:ext>
+          </a:extLst>
+        </p:cNvPr>
         <p:cNvGrpSpPr/>
         <p:nvPr/>
       </p:nvGrpSpPr>
@@ -6079,7 +6204,13 @@
       </p:grpSpPr>
       <p:pic>
         <p:nvPicPr>
-          <p:cNvPr id="10" name="Picture 9"/>
+          <p:cNvPr id="10" name="Picture 9">
+            <a:extLst>
+              <a:ext uri="{FF2B5EF4-FFF2-40B4-BE49-F238E27FC236}">
+                <a16:creationId xmlns:a16="http://schemas.microsoft.com/office/drawing/2014/main" id="{0F2E83A8-E95F-CD19-6724-00EC15BC0D9B}"/>
+              </a:ext>
+            </a:extLst>
+          </p:cNvPr>
           <p:cNvPicPr>
             <a:picLocks noChangeAspect="1"/>
           </p:cNvPicPr>
@@ -6108,7 +6239,13 @@
       </p:pic>
       <p:pic>
         <p:nvPicPr>
-          <p:cNvPr id="4" name="Picture 3"/>
+          <p:cNvPr id="4" name="Picture 3">
+            <a:extLst>
+              <a:ext uri="{FF2B5EF4-FFF2-40B4-BE49-F238E27FC236}">
+                <a16:creationId xmlns:a16="http://schemas.microsoft.com/office/drawing/2014/main" id="{C9A327FE-F814-2332-20F0-F92F56ACEA4A}"/>
+              </a:ext>
+            </a:extLst>
+          </p:cNvPr>
           <p:cNvPicPr>
             <a:picLocks noChangeAspect="1"/>
           </p:cNvPicPr>
@@ -6138,7 +6275,13 @@
       </p:pic>
       <p:sp>
         <p:nvSpPr>
-          <p:cNvPr id="11" name="TextBox 10"/>
+          <p:cNvPr id="11" name="TextBox 10">
+            <a:extLst>
+              <a:ext uri="{FF2B5EF4-FFF2-40B4-BE49-F238E27FC236}">
+                <a16:creationId xmlns:a16="http://schemas.microsoft.com/office/drawing/2014/main" id="{1F52CB9D-A017-AB2B-4808-96490CB4881F}"/>
+              </a:ext>
+            </a:extLst>
+          </p:cNvPr>
           <p:cNvSpPr txBox="1"/>
           <p:nvPr/>
         </p:nvSpPr>
@@ -6264,7 +6407,7 @@
           <p:cNvPr id="5" name="Picture 4">
             <a:extLst>
               <a:ext uri="{FF2B5EF4-FFF2-40B4-BE49-F238E27FC236}">
-                <a16:creationId xmlns:a16="http://schemas.microsoft.com/office/drawing/2014/main" id="{54A06221-5316-4BCF-9FDA-BDB95FF4A778}"/>
+                <a16:creationId xmlns:a16="http://schemas.microsoft.com/office/drawing/2014/main" id="{379848C7-9683-0018-3B51-8B4FAD8895A5}"/>
               </a:ext>
             </a:extLst>
           </p:cNvPr>
@@ -6297,7 +6440,7 @@
     </p:spTree>
     <p:extLst>
       <p:ext uri="{BB962C8B-B14F-4D97-AF65-F5344CB8AC3E}">
-        <p14:creationId xmlns:p14="http://schemas.microsoft.com/office/powerpoint/2010/main" val="75588663"/>
+        <p14:creationId xmlns:p14="http://schemas.microsoft.com/office/powerpoint/2010/main" val="2195425994"/>
       </p:ext>
     </p:extLst>
   </p:cSld>
@@ -6419,7 +6562,7 @@
           <p:nvPr/>
         </p:nvPicPr>
         <p:blipFill>
-          <a:blip r:embed="rId3" cstate="print">
+          <a:blip r:embed="rId2" cstate="print">
             <a:extLst>
               <a:ext uri="{28A0092B-C50C-407E-A947-70E740481C1C}">
                 <a14:useLocalDpi xmlns:a14="http://schemas.microsoft.com/office/drawing/2010/main" val="0"/>
@@ -6433,8 +6576,8 @@
         </p:blipFill>
         <p:spPr bwMode="auto">
           <a:xfrm>
-            <a:off x="14060913" y="456356"/>
-            <a:ext cx="3646936" cy="4763344"/>
+            <a:off x="14077075" y="195640"/>
+            <a:ext cx="3130385" cy="4088666"/>
           </a:xfrm>
           <a:prstGeom prst="rect">
             <a:avLst/>
@@ -6466,7 +6609,7 @@
           <p:nvPr/>
         </p:nvPicPr>
         <p:blipFill>
-          <a:blip r:embed="rId4" cstate="print">
+          <a:blip r:embed="rId3" cstate="print">
             <a:extLst>
               <a:ext uri="{28A0092B-C50C-407E-A947-70E740481C1C}">
                 <a14:useLocalDpi xmlns:a14="http://schemas.microsoft.com/office/drawing/2010/main" val="0"/>
@@ -6480,8 +6623,8 @@
         </p:blipFill>
         <p:spPr bwMode="auto">
           <a:xfrm>
-            <a:off x="4758962" y="2476500"/>
-            <a:ext cx="7531585" cy="5013211"/>
+            <a:off x="1695692" y="2968810"/>
+            <a:ext cx="5535359" cy="3684473"/>
           </a:xfrm>
           <a:prstGeom prst="rect">
             <a:avLst/>
@@ -6513,7 +6656,7 @@
           <p:nvPr/>
         </p:nvPicPr>
         <p:blipFill>
-          <a:blip r:embed="rId5" cstate="print">
+          <a:blip r:embed="rId4" cstate="print">
             <a:extLst>
               <a:ext uri="{28A0092B-C50C-407E-A947-70E740481C1C}">
                 <a14:useLocalDpi xmlns:a14="http://schemas.microsoft.com/office/drawing/2010/main" val="0"/>
@@ -6526,7 +6669,7 @@
         </p:blipFill>
         <p:spPr>
           <a:xfrm>
-            <a:off x="10336758" y="6210300"/>
+            <a:off x="7683691" y="6002696"/>
             <a:ext cx="7448309" cy="5462681"/>
           </a:xfrm>
           <a:prstGeom prst="rect">
@@ -6536,10 +6679,57 @@
       </p:pic>
       <p:pic>
         <p:nvPicPr>
-          <p:cNvPr id="1026" name="Picture 2" descr="Excel MVP Led Training - The Best Way to Learn Excel.">
+          <p:cNvPr id="1026" name="Picture 2" descr="Modern data analytics in Excel book cover">
             <a:extLst>
               <a:ext uri="{FF2B5EF4-FFF2-40B4-BE49-F238E27FC236}">
-                <a16:creationId xmlns:a16="http://schemas.microsoft.com/office/drawing/2014/main" id="{1541E3A8-702A-355A-01A5-FFB43F9DE736}"/>
+                <a16:creationId xmlns:a16="http://schemas.microsoft.com/office/drawing/2014/main" id="{874ADA5E-A7A7-1D02-C728-513187DE1EF9}"/>
+              </a:ext>
+            </a:extLst>
+          </p:cNvPr>
+          <p:cNvPicPr>
+            <a:picLocks noChangeAspect="1" noChangeArrowheads="1"/>
+          </p:cNvPicPr>
+          <p:nvPr/>
+        </p:nvPicPr>
+        <p:blipFill>
+          <a:blip r:embed="rId5">
+            <a:extLst>
+              <a:ext uri="{28A0092B-C50C-407E-A947-70E740481C1C}">
+                <a14:useLocalDpi xmlns:a14="http://schemas.microsoft.com/office/drawing/2010/main" val="0"/>
+              </a:ext>
+            </a:extLst>
+          </a:blip>
+          <a:srcRect/>
+          <a:stretch>
+            <a:fillRect/>
+          </a:stretch>
+        </p:blipFill>
+        <p:spPr bwMode="auto">
+          <a:xfrm>
+            <a:off x="10321136" y="2210054"/>
+            <a:ext cx="3437261" cy="4507995"/>
+          </a:xfrm>
+          <a:prstGeom prst="rect">
+            <a:avLst/>
+          </a:prstGeom>
+          <a:noFill/>
+          <a:extLst>
+            <a:ext uri="{909E8E84-426E-40DD-AFC4-6F175D3DCCD1}">
+              <a14:hiddenFill xmlns:a14="http://schemas.microsoft.com/office/drawing/2010/main">
+                <a:solidFill>
+                  <a:srgbClr val="FFFFFF"/>
+                </a:solidFill>
+              </a14:hiddenFill>
+            </a:ext>
+          </a:extLst>
+        </p:spPr>
+      </p:pic>
+      <p:pic>
+        <p:nvPicPr>
+          <p:cNvPr id="2050" name="Picture 2" descr="Microsoft Most Valuable Professional - Wikipedia">
+            <a:extLst>
+              <a:ext uri="{FF2B5EF4-FFF2-40B4-BE49-F238E27FC236}">
+                <a16:creationId xmlns:a16="http://schemas.microsoft.com/office/drawing/2014/main" id="{36C71929-5967-B93D-05FE-E330D621C593}"/>
               </a:ext>
             </a:extLst>
           </p:cNvPr>
@@ -6563,8 +6753,8 @@
         </p:blipFill>
         <p:spPr bwMode="auto">
           <a:xfrm>
-            <a:off x="1095268" y="8334375"/>
-            <a:ext cx="4028188" cy="1615827"/>
+            <a:off x="384642" y="7832951"/>
+            <a:ext cx="5057775" cy="2028825"/>
           </a:xfrm>
           <a:prstGeom prst="rect">
             <a:avLst/>
@@ -6584,7 +6774,7 @@
     </p:spTree>
     <p:extLst>
       <p:ext uri="{BB962C8B-B14F-4D97-AF65-F5344CB8AC3E}">
-        <p14:creationId xmlns:p14="http://schemas.microsoft.com/office/powerpoint/2010/main" val="166785523"/>
+        <p14:creationId xmlns:p14="http://schemas.microsoft.com/office/powerpoint/2010/main" val="1872901171"/>
       </p:ext>
     </p:extLst>
   </p:cSld>
